--- a/docs/slides/PSYC761_L6_ANOVA_2.pptx
+++ b/docs/slides/PSYC761_L6_ANOVA_2.pptx
@@ -164,7 +164,7 @@
 <file path=ppt/revisionInfo.xml><?xml version="1.0" encoding="utf-8"?>
 <p1510:revInfo xmlns:a="http://schemas.openxmlformats.org/drawingml/2006/main" xmlns:r="http://schemas.openxmlformats.org/officeDocument/2006/relationships" xmlns:p1510="http://schemas.microsoft.com/office/powerpoint/2015/10/main">
   <p1510:revLst>
-    <p1510:client id="{BC8137BD-4F84-435E-9D18-FA27D10BE496}" v="1" dt="2023-12-01T15:46:10.497"/>
+    <p1510:client id="{0A156C8F-B3AD-4082-91CA-556E28E77B39}" v="1" dt="2024-01-15T16:11:25.089"/>
   </p1510:revLst>
 </p1510:revInfo>
 </file>
@@ -293,6 +293,54 @@
     </pc:docChg>
   </pc:docChgLst>
   <pc:docChgLst>
+    <pc:chgData name="Christopher Berry" userId="468ae48a-5539-4b21-98ea-6081f4d86140" providerId="ADAL" clId="{0A156C8F-B3AD-4082-91CA-556E28E77B39}"/>
+    <pc:docChg chg="modSld">
+      <pc:chgData name="Christopher Berry" userId="468ae48a-5539-4b21-98ea-6081f4d86140" providerId="ADAL" clId="{0A156C8F-B3AD-4082-91CA-556E28E77B39}" dt="2024-01-15T16:11:25.089" v="0"/>
+      <pc:docMkLst>
+        <pc:docMk/>
+      </pc:docMkLst>
+      <pc:sldChg chg="addSp modSp">
+        <pc:chgData name="Christopher Berry" userId="468ae48a-5539-4b21-98ea-6081f4d86140" providerId="ADAL" clId="{0A156C8F-B3AD-4082-91CA-556E28E77B39}" dt="2024-01-15T16:11:25.089" v="0"/>
+        <pc:sldMkLst>
+          <pc:docMk/>
+          <pc:sldMk cId="1337738250" sldId="257"/>
+        </pc:sldMkLst>
+        <pc:spChg chg="add mod">
+          <ac:chgData name="Christopher Berry" userId="468ae48a-5539-4b21-98ea-6081f4d86140" providerId="ADAL" clId="{0A156C8F-B3AD-4082-91CA-556E28E77B39}" dt="2024-01-15T16:11:25.089" v="0"/>
+          <ac:spMkLst>
+            <pc:docMk/>
+            <pc:sldMk cId="1337738250" sldId="257"/>
+            <ac:spMk id="5" creationId="{5CFDB91C-7BDD-E102-F98A-FF2399A6DFA5}"/>
+          </ac:spMkLst>
+        </pc:spChg>
+        <pc:spChg chg="add mod">
+          <ac:chgData name="Christopher Berry" userId="468ae48a-5539-4b21-98ea-6081f4d86140" providerId="ADAL" clId="{0A156C8F-B3AD-4082-91CA-556E28E77B39}" dt="2024-01-15T16:11:25.089" v="0"/>
+          <ac:spMkLst>
+            <pc:docMk/>
+            <pc:sldMk cId="1337738250" sldId="257"/>
+            <ac:spMk id="6" creationId="{C527B95A-A92E-DEFB-5F04-A64219D0E4D5}"/>
+          </ac:spMkLst>
+        </pc:spChg>
+        <pc:picChg chg="add mod">
+          <ac:chgData name="Christopher Berry" userId="468ae48a-5539-4b21-98ea-6081f4d86140" providerId="ADAL" clId="{0A156C8F-B3AD-4082-91CA-556E28E77B39}" dt="2024-01-15T16:11:25.089" v="0"/>
+          <ac:picMkLst>
+            <pc:docMk/>
+            <pc:sldMk cId="1337738250" sldId="257"/>
+            <ac:picMk id="7" creationId="{67FCE1CC-C173-D89A-A5DB-4C15476176C8}"/>
+          </ac:picMkLst>
+        </pc:picChg>
+        <pc:picChg chg="add mod">
+          <ac:chgData name="Christopher Berry" userId="468ae48a-5539-4b21-98ea-6081f4d86140" providerId="ADAL" clId="{0A156C8F-B3AD-4082-91CA-556E28E77B39}" dt="2024-01-15T16:11:25.089" v="0"/>
+          <ac:picMkLst>
+            <pc:docMk/>
+            <pc:sldMk cId="1337738250" sldId="257"/>
+            <ac:picMk id="8" creationId="{0E519B13-5507-6805-DCCE-9FB78F2ACF39}"/>
+          </ac:picMkLst>
+        </pc:picChg>
+      </pc:sldChg>
+    </pc:docChg>
+  </pc:docChgLst>
+  <pc:docChgLst>
     <pc:chgData name="Christopher Berry" userId="468ae48a-5539-4b21-98ea-6081f4d86140" providerId="ADAL" clId="{BC8137BD-4F84-435E-9D18-FA27D10BE496}"/>
     <pc:docChg chg="custSel modSld">
       <pc:chgData name="Christopher Berry" userId="468ae48a-5539-4b21-98ea-6081f4d86140" providerId="ADAL" clId="{BC8137BD-4F84-435E-9D18-FA27D10BE496}" dt="2023-12-01T15:46:21.336" v="8" actId="21"/>
@@ -472,7 +520,7 @@
           <a:p>
             <a:fld id="{39F2F66B-899D-484E-9C99-E1DBE23F9DE9}" type="datetimeFigureOut">
               <a:rPr lang="en-GB" smtClean="0"/>
-              <a:t>01/12/2023</a:t>
+              <a:t>15/01/2024</a:t>
             </a:fld>
             <a:endParaRPr lang="en-GB"/>
           </a:p>
@@ -638,7 +686,7 @@
             <a:fld id="{2C09A945-60CF-41CC-BF14-DA645D9ABE0F}" type="datetimeFigureOut">
               <a:rPr lang="en-GB" smtClean="0"/>
               <a:pPr/>
-              <a:t>01/12/2023</a:t>
+              <a:t>15/01/2024</a:t>
             </a:fld>
             <a:endParaRPr lang="en-GB"/>
           </a:p>
@@ -2558,7 +2606,7 @@
             <a:fld id="{FD207E47-C1CA-47C9-BFA1-FDEFD1CE1BAA}" type="datetime1">
               <a:rPr lang="en-US" smtClean="0"/>
               <a:pPr/>
-              <a:t>12/1/2023</a:t>
+              <a:t>1/15/2024</a:t>
             </a:fld>
             <a:endParaRPr lang="en-US"/>
           </a:p>
@@ -2723,7 +2771,7 @@
             <a:fld id="{58C692B5-BE86-445D-88C0-242C83A9421E}" type="datetime1">
               <a:rPr lang="en-US" smtClean="0"/>
               <a:pPr/>
-              <a:t>12/1/2023</a:t>
+              <a:t>1/15/2024</a:t>
             </a:fld>
             <a:endParaRPr lang="en-US"/>
           </a:p>
@@ -2898,7 +2946,7 @@
             <a:fld id="{6A70B350-EB04-4702-A2C6-BB029CC917C4}" type="datetime1">
               <a:rPr lang="en-US" smtClean="0"/>
               <a:pPr/>
-              <a:t>12/1/2023</a:t>
+              <a:t>1/15/2024</a:t>
             </a:fld>
             <a:endParaRPr lang="en-US"/>
           </a:p>
@@ -3063,7 +3111,7 @@
             <a:fld id="{B19C5C7B-1CCF-4D03-A2E8-D3591213E0F6}" type="datetime1">
               <a:rPr lang="en-US" smtClean="0"/>
               <a:pPr/>
-              <a:t>12/1/2023</a:t>
+              <a:t>1/15/2024</a:t>
             </a:fld>
             <a:endParaRPr lang="en-US"/>
           </a:p>
@@ -3305,7 +3353,7 @@
             <a:fld id="{617DE08F-8114-45C2-9520-EC1882F8A669}" type="datetime1">
               <a:rPr lang="en-US" smtClean="0"/>
               <a:pPr/>
-              <a:t>12/1/2023</a:t>
+              <a:t>1/15/2024</a:t>
             </a:fld>
             <a:endParaRPr lang="en-US"/>
           </a:p>
@@ -3587,7 +3635,7 @@
             <a:fld id="{67FBBCEA-51D6-4D4F-B700-EBDD8904452C}" type="datetime1">
               <a:rPr lang="en-US" smtClean="0"/>
               <a:pPr/>
-              <a:t>12/1/2023</a:t>
+              <a:t>1/15/2024</a:t>
             </a:fld>
             <a:endParaRPr lang="en-US"/>
           </a:p>
@@ -4003,7 +4051,7 @@
             <a:fld id="{7C3355C0-4DE2-42D1-B918-7B0FCE7481FD}" type="datetime1">
               <a:rPr lang="en-US" smtClean="0"/>
               <a:pPr/>
-              <a:t>12/1/2023</a:t>
+              <a:t>1/15/2024</a:t>
             </a:fld>
             <a:endParaRPr lang="en-US"/>
           </a:p>
@@ -4117,7 +4165,7 @@
             <a:fld id="{41F9056E-53B5-467C-A68C-D5DD1F771BB5}" type="datetime1">
               <a:rPr lang="en-US" smtClean="0"/>
               <a:pPr/>
-              <a:t>12/1/2023</a:t>
+              <a:t>1/15/2024</a:t>
             </a:fld>
             <a:endParaRPr lang="en-US"/>
           </a:p>
@@ -4209,7 +4257,7 @@
             <a:fld id="{73236B7C-1414-4D49-8A59-8F56128C501B}" type="datetime1">
               <a:rPr lang="en-US" smtClean="0"/>
               <a:pPr/>
-              <a:t>12/1/2023</a:t>
+              <a:t>1/15/2024</a:t>
             </a:fld>
             <a:endParaRPr lang="en-US"/>
           </a:p>
@@ -4481,7 +4529,7 @@
             <a:fld id="{A40AEADC-23C0-4767-9AD7-3E7B6C343A0A}" type="datetime1">
               <a:rPr lang="en-US" smtClean="0"/>
               <a:pPr/>
-              <a:t>12/1/2023</a:t>
+              <a:t>1/15/2024</a:t>
             </a:fld>
             <a:endParaRPr lang="en-US"/>
           </a:p>
@@ -4730,7 +4778,7 @@
             <a:fld id="{07762B3B-4AFD-4E39-B6F8-E1A2354BA336}" type="datetime1">
               <a:rPr lang="en-US" smtClean="0"/>
               <a:pPr/>
-              <a:t>12/1/2023</a:t>
+              <a:t>1/15/2024</a:t>
             </a:fld>
             <a:endParaRPr lang="en-US"/>
           </a:p>
@@ -4943,7 +4991,7 @@
             <a:fld id="{16C4ABC6-3BA1-4854-92CA-2B0133ECAB44}" type="datetime1">
               <a:rPr lang="en-US" smtClean="0"/>
               <a:pPr/>
-              <a:t>12/1/2023</a:t>
+              <a:t>1/15/2024</a:t>
             </a:fld>
             <a:endParaRPr lang="en-US"/>
           </a:p>
@@ -5496,6 +5544,764 @@
           </a:p>
         </p:txBody>
       </p:sp>
+      <p:sp>
+        <p:nvSpPr>
+          <p:cNvPr id="5" name="Content Placeholder 2">
+            <a:extLst>
+              <a:ext uri="{FF2B5EF4-FFF2-40B4-BE49-F238E27FC236}">
+                <a16:creationId xmlns:a16="http://schemas.microsoft.com/office/drawing/2014/main" id="{5CFDB91C-7BDD-E102-F98A-FF2399A6DFA5}"/>
+              </a:ext>
+            </a:extLst>
+          </p:cNvPr>
+          <p:cNvSpPr txBox="1">
+            <a:spLocks/>
+          </p:cNvSpPr>
+          <p:nvPr/>
+        </p:nvSpPr>
+        <p:spPr>
+          <a:xfrm>
+            <a:off x="3027939" y="5267001"/>
+            <a:ext cx="3265095" cy="1057599"/>
+          </a:xfrm>
+          <a:prstGeom prst="rect">
+            <a:avLst/>
+          </a:prstGeom>
+        </p:spPr>
+        <p:txBody>
+          <a:bodyPr vert="horz" lIns="91440" tIns="45720" rIns="91440" bIns="45720" rtlCol="0">
+            <a:noAutofit/>
+          </a:bodyPr>
+          <a:lstStyle>
+            <a:lvl1pPr marL="228600" indent="-228600" algn="l" defTabSz="914400" rtl="0" eaLnBrk="1" latinLnBrk="0" hangingPunct="1">
+              <a:lnSpc>
+                <a:spcPct val="90000"/>
+              </a:lnSpc>
+              <a:spcBef>
+                <a:spcPts val="1000"/>
+              </a:spcBef>
+              <a:buFont typeface="Arial" panose="020B0604020202020204" pitchFamily="34" charset="0"/>
+              <a:buChar char="•"/>
+              <a:defRPr sz="2800" kern="1200">
+                <a:solidFill>
+                  <a:schemeClr val="tx1"/>
+                </a:solidFill>
+                <a:latin typeface="+mn-lt"/>
+                <a:ea typeface="+mn-ea"/>
+                <a:cs typeface="+mn-cs"/>
+              </a:defRPr>
+            </a:lvl1pPr>
+            <a:lvl2pPr marL="685800" indent="-228600" algn="l" defTabSz="914400" rtl="0" eaLnBrk="1" latinLnBrk="0" hangingPunct="1">
+              <a:lnSpc>
+                <a:spcPct val="90000"/>
+              </a:lnSpc>
+              <a:spcBef>
+                <a:spcPts val="500"/>
+              </a:spcBef>
+              <a:buFont typeface="Arial" panose="020B0604020202020204" pitchFamily="34" charset="0"/>
+              <a:buChar char="•"/>
+              <a:defRPr sz="2400" kern="1200">
+                <a:solidFill>
+                  <a:schemeClr val="tx1"/>
+                </a:solidFill>
+                <a:latin typeface="+mn-lt"/>
+                <a:ea typeface="+mn-ea"/>
+                <a:cs typeface="+mn-cs"/>
+              </a:defRPr>
+            </a:lvl2pPr>
+            <a:lvl3pPr marL="1143000" indent="-228600" algn="l" defTabSz="914400" rtl="0" eaLnBrk="1" latinLnBrk="0" hangingPunct="1">
+              <a:lnSpc>
+                <a:spcPct val="90000"/>
+              </a:lnSpc>
+              <a:spcBef>
+                <a:spcPts val="500"/>
+              </a:spcBef>
+              <a:buFont typeface="Arial" panose="020B0604020202020204" pitchFamily="34" charset="0"/>
+              <a:buChar char="•"/>
+              <a:defRPr sz="2000" kern="1200">
+                <a:solidFill>
+                  <a:schemeClr val="tx1"/>
+                </a:solidFill>
+                <a:latin typeface="+mn-lt"/>
+                <a:ea typeface="+mn-ea"/>
+                <a:cs typeface="+mn-cs"/>
+              </a:defRPr>
+            </a:lvl3pPr>
+            <a:lvl4pPr marL="1600200" indent="-228600" algn="l" defTabSz="914400" rtl="0" eaLnBrk="1" latinLnBrk="0" hangingPunct="1">
+              <a:lnSpc>
+                <a:spcPct val="90000"/>
+              </a:lnSpc>
+              <a:spcBef>
+                <a:spcPts val="500"/>
+              </a:spcBef>
+              <a:buFont typeface="Arial" panose="020B0604020202020204" pitchFamily="34" charset="0"/>
+              <a:buChar char="•"/>
+              <a:defRPr sz="1800" kern="1200">
+                <a:solidFill>
+                  <a:schemeClr val="tx1"/>
+                </a:solidFill>
+                <a:latin typeface="+mn-lt"/>
+                <a:ea typeface="+mn-ea"/>
+                <a:cs typeface="+mn-cs"/>
+              </a:defRPr>
+            </a:lvl4pPr>
+            <a:lvl5pPr marL="2057400" indent="-228600" algn="l" defTabSz="914400" rtl="0" eaLnBrk="1" latinLnBrk="0" hangingPunct="1">
+              <a:lnSpc>
+                <a:spcPct val="90000"/>
+              </a:lnSpc>
+              <a:spcBef>
+                <a:spcPts val="500"/>
+              </a:spcBef>
+              <a:buFont typeface="Arial" panose="020B0604020202020204" pitchFamily="34" charset="0"/>
+              <a:buChar char="•"/>
+              <a:defRPr sz="1800" kern="1200">
+                <a:solidFill>
+                  <a:schemeClr val="tx1"/>
+                </a:solidFill>
+                <a:latin typeface="+mn-lt"/>
+                <a:ea typeface="+mn-ea"/>
+                <a:cs typeface="+mn-cs"/>
+              </a:defRPr>
+            </a:lvl5pPr>
+            <a:lvl6pPr marL="2514600" indent="-228600" algn="l" defTabSz="914400" rtl="0" eaLnBrk="1" latinLnBrk="0" hangingPunct="1">
+              <a:lnSpc>
+                <a:spcPct val="90000"/>
+              </a:lnSpc>
+              <a:spcBef>
+                <a:spcPts val="500"/>
+              </a:spcBef>
+              <a:buFont typeface="Arial" panose="020B0604020202020204" pitchFamily="34" charset="0"/>
+              <a:buChar char="•"/>
+              <a:defRPr sz="1800" kern="1200">
+                <a:solidFill>
+                  <a:schemeClr val="tx1"/>
+                </a:solidFill>
+                <a:latin typeface="+mn-lt"/>
+                <a:ea typeface="+mn-ea"/>
+                <a:cs typeface="+mn-cs"/>
+              </a:defRPr>
+            </a:lvl6pPr>
+            <a:lvl7pPr marL="2971800" indent="-228600" algn="l" defTabSz="914400" rtl="0" eaLnBrk="1" latinLnBrk="0" hangingPunct="1">
+              <a:lnSpc>
+                <a:spcPct val="90000"/>
+              </a:lnSpc>
+              <a:spcBef>
+                <a:spcPts val="500"/>
+              </a:spcBef>
+              <a:buFont typeface="Arial" panose="020B0604020202020204" pitchFamily="34" charset="0"/>
+              <a:buChar char="•"/>
+              <a:defRPr sz="1800" kern="1200">
+                <a:solidFill>
+                  <a:schemeClr val="tx1"/>
+                </a:solidFill>
+                <a:latin typeface="+mn-lt"/>
+                <a:ea typeface="+mn-ea"/>
+                <a:cs typeface="+mn-cs"/>
+              </a:defRPr>
+            </a:lvl7pPr>
+            <a:lvl8pPr marL="3429000" indent="-228600" algn="l" defTabSz="914400" rtl="0" eaLnBrk="1" latinLnBrk="0" hangingPunct="1">
+              <a:lnSpc>
+                <a:spcPct val="90000"/>
+              </a:lnSpc>
+              <a:spcBef>
+                <a:spcPts val="500"/>
+              </a:spcBef>
+              <a:buFont typeface="Arial" panose="020B0604020202020204" pitchFamily="34" charset="0"/>
+              <a:buChar char="•"/>
+              <a:defRPr sz="1800" kern="1200">
+                <a:solidFill>
+                  <a:schemeClr val="tx1"/>
+                </a:solidFill>
+                <a:latin typeface="+mn-lt"/>
+                <a:ea typeface="+mn-ea"/>
+                <a:cs typeface="+mn-cs"/>
+              </a:defRPr>
+            </a:lvl8pPr>
+            <a:lvl9pPr marL="3886200" indent="-228600" algn="l" defTabSz="914400" rtl="0" eaLnBrk="1" latinLnBrk="0" hangingPunct="1">
+              <a:lnSpc>
+                <a:spcPct val="90000"/>
+              </a:lnSpc>
+              <a:spcBef>
+                <a:spcPts val="500"/>
+              </a:spcBef>
+              <a:buFont typeface="Arial" panose="020B0604020202020204" pitchFamily="34" charset="0"/>
+              <a:buChar char="•"/>
+              <a:defRPr sz="1800" kern="1200">
+                <a:solidFill>
+                  <a:schemeClr val="tx1"/>
+                </a:solidFill>
+                <a:latin typeface="+mn-lt"/>
+                <a:ea typeface="+mn-ea"/>
+                <a:cs typeface="+mn-cs"/>
+              </a:defRPr>
+            </a:lvl9pPr>
+          </a:lstStyle>
+          <a:p>
+            <a:pPr marL="0" marR="0" lvl="0" indent="0" algn="l" defTabSz="914400" rtl="0" eaLnBrk="1" fontAlgn="auto" latinLnBrk="0" hangingPunct="1">
+              <a:lnSpc>
+                <a:spcPct val="100000"/>
+              </a:lnSpc>
+              <a:spcBef>
+                <a:spcPts val="0"/>
+              </a:spcBef>
+              <a:spcAft>
+                <a:spcPts val="0"/>
+              </a:spcAft>
+              <a:buClrTx/>
+              <a:buSzTx/>
+              <a:buFont typeface="Arial" panose="020B0604020202020204" pitchFamily="34" charset="0"/>
+              <a:buNone/>
+              <a:tabLst/>
+              <a:defRPr/>
+            </a:pPr>
+            <a:r>
+              <a:rPr kumimoji="0" lang="en-GB" sz="2000" b="0" i="1" u="none" strike="noStrike" kern="1200" cap="none" spc="0" normalizeH="0" baseline="0" noProof="0">
+                <a:ln>
+                  <a:noFill/>
+                </a:ln>
+                <a:solidFill>
+                  <a:sysClr val="windowText" lastClr="000000"/>
+                </a:solidFill>
+                <a:effectLst/>
+                <a:uLnTx/>
+                <a:uFillTx/>
+                <a:latin typeface="Calibri" panose="020F0502020204030204"/>
+                <a:ea typeface="+mn-ea"/>
+                <a:cs typeface="+mn-cs"/>
+              </a:rPr>
+              <a:t>Book an office appointment:</a:t>
+            </a:r>
+          </a:p>
+          <a:p>
+            <a:pPr marL="0" marR="0" lvl="0" indent="0" algn="l" defTabSz="914400" rtl="0" eaLnBrk="1" fontAlgn="auto" latinLnBrk="0" hangingPunct="1">
+              <a:lnSpc>
+                <a:spcPct val="100000"/>
+              </a:lnSpc>
+              <a:spcBef>
+                <a:spcPts val="0"/>
+              </a:spcBef>
+              <a:spcAft>
+                <a:spcPts val="0"/>
+              </a:spcAft>
+              <a:buClrTx/>
+              <a:buSzTx/>
+              <a:buFont typeface="Arial" panose="020B0604020202020204" pitchFamily="34" charset="0"/>
+              <a:buNone/>
+              <a:tabLst/>
+              <a:defRPr/>
+            </a:pPr>
+            <a:r>
+              <a:rPr kumimoji="0" lang="en-GB" sz="2000" b="0" i="0" u="none" strike="noStrike" kern="1200" cap="none" spc="0" normalizeH="0" baseline="0" noProof="0">
+                <a:ln>
+                  <a:noFill/>
+                </a:ln>
+                <a:solidFill>
+                  <a:sysClr val="windowText" lastClr="000000"/>
+                </a:solidFill>
+                <a:effectLst/>
+                <a:uLnTx/>
+                <a:uFillTx/>
+                <a:latin typeface="Calibri" panose="020F0502020204030204"/>
+                <a:ea typeface="+mn-ea"/>
+                <a:cs typeface="+mn-cs"/>
+              </a:rPr>
+              <a:t>Usually Tue and Fri 1-2pm</a:t>
+            </a:r>
+          </a:p>
+          <a:p>
+            <a:pPr marL="0" marR="0" lvl="0" indent="0" algn="l" defTabSz="914400" rtl="0" eaLnBrk="1" fontAlgn="auto" latinLnBrk="0" hangingPunct="1">
+              <a:lnSpc>
+                <a:spcPct val="100000"/>
+              </a:lnSpc>
+              <a:spcBef>
+                <a:spcPts val="0"/>
+              </a:spcBef>
+              <a:spcAft>
+                <a:spcPts val="0"/>
+              </a:spcAft>
+              <a:buClrTx/>
+              <a:buSzTx/>
+              <a:buFont typeface="Arial" panose="020B0604020202020204" pitchFamily="34" charset="0"/>
+              <a:buNone/>
+              <a:tabLst/>
+              <a:defRPr/>
+            </a:pPr>
+            <a:r>
+              <a:rPr kumimoji="0" lang="en-GB" sz="1800" b="0" i="0" u="none" strike="noStrike" kern="1200" cap="none" spc="0" normalizeH="0" baseline="0" noProof="0">
+                <a:ln>
+                  <a:noFill/>
+                </a:ln>
+                <a:solidFill>
+                  <a:sysClr val="windowText" lastClr="000000"/>
+                </a:solidFill>
+                <a:effectLst/>
+                <a:uLnTx/>
+                <a:uFillTx/>
+                <a:latin typeface="Calibri" panose="020F0502020204030204"/>
+                <a:ea typeface="+mn-ea"/>
+                <a:cs typeface="+mn-cs"/>
+              </a:rPr>
+              <a:t>Scan QR code or click </a:t>
+            </a:r>
+            <a:r>
+              <a:rPr kumimoji="0" lang="en-GB" sz="1800" b="0" i="0" u="none" strike="noStrike" kern="1200" cap="none" spc="0" normalizeH="0" baseline="0" noProof="0">
+                <a:ln>
+                  <a:noFill/>
+                </a:ln>
+                <a:solidFill>
+                  <a:sysClr val="windowText" lastClr="000000"/>
+                </a:solidFill>
+                <a:effectLst/>
+                <a:uLnTx/>
+                <a:uFillTx/>
+                <a:latin typeface="Calibri" panose="020F0502020204030204"/>
+                <a:ea typeface="+mn-ea"/>
+                <a:cs typeface="+mn-cs"/>
+                <a:hlinkClick r:id="rId4"/>
+              </a:rPr>
+              <a:t>here</a:t>
+            </a:r>
+            <a:endParaRPr kumimoji="0" lang="en-GB" sz="2400" b="0" i="0" u="none" strike="noStrike" kern="1200" cap="none" spc="0" normalizeH="0" baseline="0" noProof="0">
+              <a:ln>
+                <a:noFill/>
+              </a:ln>
+              <a:solidFill>
+                <a:sysClr val="windowText" lastClr="000000"/>
+              </a:solidFill>
+              <a:effectLst/>
+              <a:uLnTx/>
+              <a:uFillTx/>
+              <a:latin typeface="Calibri" panose="020F0502020204030204"/>
+              <a:ea typeface="+mn-ea"/>
+              <a:cs typeface="+mn-cs"/>
+            </a:endParaRPr>
+          </a:p>
+          <a:p>
+            <a:pPr marL="0" marR="0" lvl="0" indent="0" algn="l" defTabSz="914400" rtl="0" eaLnBrk="1" fontAlgn="auto" latinLnBrk="0" hangingPunct="1">
+              <a:lnSpc>
+                <a:spcPct val="100000"/>
+              </a:lnSpc>
+              <a:spcBef>
+                <a:spcPts val="0"/>
+              </a:spcBef>
+              <a:spcAft>
+                <a:spcPts val="0"/>
+              </a:spcAft>
+              <a:buClrTx/>
+              <a:buSzTx/>
+              <a:buFont typeface="Arial" panose="020B0604020202020204" pitchFamily="34" charset="0"/>
+              <a:buNone/>
+              <a:tabLst/>
+              <a:defRPr/>
+            </a:pPr>
+            <a:endParaRPr kumimoji="0" lang="en-GB" sz="2400" b="0" i="0" u="none" strike="noStrike" kern="1200" cap="none" spc="0" normalizeH="0" baseline="0" noProof="0">
+              <a:ln>
+                <a:noFill/>
+              </a:ln>
+              <a:solidFill>
+                <a:sysClr val="windowText" lastClr="000000"/>
+              </a:solidFill>
+              <a:effectLst/>
+              <a:uLnTx/>
+              <a:uFillTx/>
+              <a:latin typeface="Calibri" panose="020F0502020204030204"/>
+              <a:ea typeface="+mn-ea"/>
+              <a:cs typeface="+mn-cs"/>
+            </a:endParaRPr>
+          </a:p>
+          <a:p>
+            <a:pPr marL="0" marR="0" lvl="0" indent="0" algn="l" defTabSz="914400" rtl="0" eaLnBrk="1" fontAlgn="auto" latinLnBrk="0" hangingPunct="1">
+              <a:lnSpc>
+                <a:spcPct val="100000"/>
+              </a:lnSpc>
+              <a:spcBef>
+                <a:spcPts val="0"/>
+              </a:spcBef>
+              <a:spcAft>
+                <a:spcPts val="0"/>
+              </a:spcAft>
+              <a:buClrTx/>
+              <a:buSzTx/>
+              <a:buFont typeface="Arial" panose="020B0604020202020204" pitchFamily="34" charset="0"/>
+              <a:buNone/>
+              <a:tabLst/>
+              <a:defRPr/>
+            </a:pPr>
+            <a:endParaRPr kumimoji="0" lang="en-GB" sz="2400" b="0" i="0" u="none" strike="noStrike" kern="1200" cap="none" spc="0" normalizeH="0" baseline="0" noProof="0">
+              <a:ln>
+                <a:noFill/>
+              </a:ln>
+              <a:solidFill>
+                <a:sysClr val="windowText" lastClr="000000"/>
+              </a:solidFill>
+              <a:effectLst/>
+              <a:uLnTx/>
+              <a:uFillTx/>
+              <a:latin typeface="Calibri" panose="020F0502020204030204"/>
+              <a:ea typeface="+mn-ea"/>
+              <a:cs typeface="+mn-cs"/>
+            </a:endParaRPr>
+          </a:p>
+          <a:p>
+            <a:pPr marL="0" marR="0" lvl="0" indent="0" algn="l" defTabSz="914400" rtl="0" eaLnBrk="1" fontAlgn="auto" latinLnBrk="0" hangingPunct="1">
+              <a:lnSpc>
+                <a:spcPct val="90000"/>
+              </a:lnSpc>
+              <a:spcBef>
+                <a:spcPts val="1000"/>
+              </a:spcBef>
+              <a:spcAft>
+                <a:spcPts val="0"/>
+              </a:spcAft>
+              <a:buClrTx/>
+              <a:buSzTx/>
+              <a:buFont typeface="Arial" panose="020B0604020202020204" pitchFamily="34" charset="0"/>
+              <a:buNone/>
+              <a:tabLst/>
+              <a:defRPr/>
+            </a:pPr>
+            <a:endParaRPr kumimoji="0" lang="en-GB" sz="2400" b="0" i="0" u="none" strike="noStrike" kern="1200" cap="none" spc="0" normalizeH="0" baseline="0" noProof="0" dirty="0">
+              <a:ln>
+                <a:noFill/>
+              </a:ln>
+              <a:solidFill>
+                <a:sysClr val="windowText" lastClr="000000"/>
+              </a:solidFill>
+              <a:effectLst/>
+              <a:uLnTx/>
+              <a:uFillTx/>
+              <a:latin typeface="Calibri" panose="020F0502020204030204"/>
+              <a:ea typeface="+mn-ea"/>
+              <a:cs typeface="+mn-cs"/>
+            </a:endParaRPr>
+          </a:p>
+        </p:txBody>
+      </p:sp>
+      <p:sp>
+        <p:nvSpPr>
+          <p:cNvPr id="6" name="Rectangle 5">
+            <a:extLst>
+              <a:ext uri="{FF2B5EF4-FFF2-40B4-BE49-F238E27FC236}">
+                <a16:creationId xmlns:a16="http://schemas.microsoft.com/office/drawing/2014/main" id="{C527B95A-A92E-DEFB-5F04-A64219D0E4D5}"/>
+              </a:ext>
+            </a:extLst>
+          </p:cNvPr>
+          <p:cNvSpPr/>
+          <p:nvPr/>
+        </p:nvSpPr>
+        <p:spPr>
+          <a:xfrm>
+            <a:off x="9526843" y="5267002"/>
+            <a:ext cx="2388254" cy="914400"/>
+          </a:xfrm>
+          <a:prstGeom prst="rect">
+            <a:avLst/>
+          </a:prstGeom>
+          <a:noFill/>
+          <a:ln w="12700" cap="flat" cmpd="sng" algn="ctr">
+            <a:noFill/>
+            <a:prstDash val="solid"/>
+            <a:miter lim="800000"/>
+          </a:ln>
+          <a:effectLst/>
+        </p:spPr>
+        <p:txBody>
+          <a:bodyPr rot="0" spcFirstLastPara="0" vert="horz" wrap="square" lIns="91440" tIns="45720" rIns="91440" bIns="45720" numCol="1" spcCol="0" rtlCol="0" fromWordArt="0" anchor="ctr" anchorCtr="0" forceAA="0" compatLnSpc="1">
+            <a:prstTxWarp prst="textNoShape">
+              <a:avLst/>
+            </a:prstTxWarp>
+            <a:noAutofit/>
+          </a:bodyPr>
+          <a:lstStyle>
+            <a:defPPr>
+              <a:defRPr lang="en-US"/>
+            </a:defPPr>
+            <a:lvl1pPr algn="l" rtl="0" fontAlgn="base">
+              <a:spcBef>
+                <a:spcPct val="0"/>
+              </a:spcBef>
+              <a:spcAft>
+                <a:spcPct val="0"/>
+              </a:spcAft>
+              <a:defRPr kern="1200">
+                <a:solidFill>
+                  <a:schemeClr val="lt1"/>
+                </a:solidFill>
+                <a:latin typeface="+mn-lt"/>
+                <a:ea typeface="+mn-ea"/>
+                <a:cs typeface="+mn-cs"/>
+              </a:defRPr>
+            </a:lvl1pPr>
+            <a:lvl2pPr marL="457200" algn="l" rtl="0" fontAlgn="base">
+              <a:spcBef>
+                <a:spcPct val="0"/>
+              </a:spcBef>
+              <a:spcAft>
+                <a:spcPct val="0"/>
+              </a:spcAft>
+              <a:defRPr kern="1200">
+                <a:solidFill>
+                  <a:schemeClr val="lt1"/>
+                </a:solidFill>
+                <a:latin typeface="+mn-lt"/>
+                <a:ea typeface="+mn-ea"/>
+                <a:cs typeface="+mn-cs"/>
+              </a:defRPr>
+            </a:lvl2pPr>
+            <a:lvl3pPr marL="914400" algn="l" rtl="0" fontAlgn="base">
+              <a:spcBef>
+                <a:spcPct val="0"/>
+              </a:spcBef>
+              <a:spcAft>
+                <a:spcPct val="0"/>
+              </a:spcAft>
+              <a:defRPr kern="1200">
+                <a:solidFill>
+                  <a:schemeClr val="lt1"/>
+                </a:solidFill>
+                <a:latin typeface="+mn-lt"/>
+                <a:ea typeface="+mn-ea"/>
+                <a:cs typeface="+mn-cs"/>
+              </a:defRPr>
+            </a:lvl3pPr>
+            <a:lvl4pPr marL="1371600" algn="l" rtl="0" fontAlgn="base">
+              <a:spcBef>
+                <a:spcPct val="0"/>
+              </a:spcBef>
+              <a:spcAft>
+                <a:spcPct val="0"/>
+              </a:spcAft>
+              <a:defRPr kern="1200">
+                <a:solidFill>
+                  <a:schemeClr val="lt1"/>
+                </a:solidFill>
+                <a:latin typeface="+mn-lt"/>
+                <a:ea typeface="+mn-ea"/>
+                <a:cs typeface="+mn-cs"/>
+              </a:defRPr>
+            </a:lvl4pPr>
+            <a:lvl5pPr marL="1828800" algn="l" rtl="0" fontAlgn="base">
+              <a:spcBef>
+                <a:spcPct val="0"/>
+              </a:spcBef>
+              <a:spcAft>
+                <a:spcPct val="0"/>
+              </a:spcAft>
+              <a:defRPr kern="1200">
+                <a:solidFill>
+                  <a:schemeClr val="lt1"/>
+                </a:solidFill>
+                <a:latin typeface="+mn-lt"/>
+                <a:ea typeface="+mn-ea"/>
+                <a:cs typeface="+mn-cs"/>
+              </a:defRPr>
+            </a:lvl5pPr>
+            <a:lvl6pPr marL="2286000" algn="l" defTabSz="914400" rtl="0" eaLnBrk="1" latinLnBrk="0" hangingPunct="1">
+              <a:defRPr kern="1200">
+                <a:solidFill>
+                  <a:schemeClr val="lt1"/>
+                </a:solidFill>
+                <a:latin typeface="+mn-lt"/>
+                <a:ea typeface="+mn-ea"/>
+                <a:cs typeface="+mn-cs"/>
+              </a:defRPr>
+            </a:lvl6pPr>
+            <a:lvl7pPr marL="2743200" algn="l" defTabSz="914400" rtl="0" eaLnBrk="1" latinLnBrk="0" hangingPunct="1">
+              <a:defRPr kern="1200">
+                <a:solidFill>
+                  <a:schemeClr val="lt1"/>
+                </a:solidFill>
+                <a:latin typeface="+mn-lt"/>
+                <a:ea typeface="+mn-ea"/>
+                <a:cs typeface="+mn-cs"/>
+              </a:defRPr>
+            </a:lvl7pPr>
+            <a:lvl8pPr marL="3200400" algn="l" defTabSz="914400" rtl="0" eaLnBrk="1" latinLnBrk="0" hangingPunct="1">
+              <a:defRPr kern="1200">
+                <a:solidFill>
+                  <a:schemeClr val="lt1"/>
+                </a:solidFill>
+                <a:latin typeface="+mn-lt"/>
+                <a:ea typeface="+mn-ea"/>
+                <a:cs typeface="+mn-cs"/>
+              </a:defRPr>
+            </a:lvl8pPr>
+            <a:lvl9pPr marL="3657600" algn="l" defTabSz="914400" rtl="0" eaLnBrk="1" latinLnBrk="0" hangingPunct="1">
+              <a:defRPr kern="1200">
+                <a:solidFill>
+                  <a:schemeClr val="lt1"/>
+                </a:solidFill>
+                <a:latin typeface="+mn-lt"/>
+                <a:ea typeface="+mn-ea"/>
+                <a:cs typeface="+mn-cs"/>
+              </a:defRPr>
+            </a:lvl9pPr>
+          </a:lstStyle>
+          <a:p>
+            <a:pPr marL="0" marR="0" lvl="0" indent="0" algn="l" defTabSz="914400" rtl="0" eaLnBrk="1" fontAlgn="base" latinLnBrk="0" hangingPunct="1">
+              <a:lnSpc>
+                <a:spcPct val="100000"/>
+              </a:lnSpc>
+              <a:spcBef>
+                <a:spcPct val="0"/>
+              </a:spcBef>
+              <a:spcAft>
+                <a:spcPct val="0"/>
+              </a:spcAft>
+              <a:buClrTx/>
+              <a:buSzTx/>
+              <a:buFontTx/>
+              <a:buNone/>
+              <a:tabLst/>
+              <a:defRPr/>
+            </a:pPr>
+            <a:r>
+              <a:rPr kumimoji="0" lang="en-GB" sz="2400" b="1" i="0" u="none" strike="noStrike" kern="1200" cap="none" spc="0" normalizeH="0" baseline="0" noProof="0" dirty="0">
+                <a:ln>
+                  <a:noFill/>
+                </a:ln>
+                <a:solidFill>
+                  <a:prstClr val="black"/>
+                </a:solidFill>
+                <a:effectLst/>
+                <a:uLnTx/>
+                <a:uFillTx/>
+                <a:latin typeface="Arial" panose="020B0604020202020204" pitchFamily="34" charset="0"/>
+                <a:ea typeface="+mn-ea"/>
+                <a:cs typeface="Arial" panose="020B0604020202020204" pitchFamily="34" charset="0"/>
+              </a:rPr>
+              <a:t>Check in code</a:t>
+            </a:r>
+          </a:p>
+          <a:p>
+            <a:pPr marL="0" marR="0" lvl="0" indent="0" algn="l" defTabSz="914400" rtl="0" eaLnBrk="1" fontAlgn="base" latinLnBrk="0" hangingPunct="1">
+              <a:lnSpc>
+                <a:spcPct val="100000"/>
+              </a:lnSpc>
+              <a:spcBef>
+                <a:spcPct val="0"/>
+              </a:spcBef>
+              <a:spcAft>
+                <a:spcPct val="0"/>
+              </a:spcAft>
+              <a:buClrTx/>
+              <a:buSzTx/>
+              <a:buFontTx/>
+              <a:buNone/>
+              <a:tabLst/>
+              <a:defRPr/>
+            </a:pPr>
+            <a:r>
+              <a:rPr kumimoji="0" lang="en-GB" sz="2400" b="1" i="0" u="none" strike="noStrike" kern="1200" cap="none" spc="0" normalizeH="0" baseline="0" noProof="0" dirty="0">
+                <a:ln>
+                  <a:noFill/>
+                </a:ln>
+                <a:solidFill>
+                  <a:srgbClr val="FF0000"/>
+                </a:solidFill>
+                <a:effectLst/>
+                <a:uLnTx/>
+                <a:uFillTx/>
+                <a:latin typeface="Arial" panose="020B0604020202020204" pitchFamily="34" charset="0"/>
+                <a:ea typeface="+mn-ea"/>
+                <a:cs typeface="Arial" panose="020B0604020202020204" pitchFamily="34" charset="0"/>
+              </a:rPr>
+              <a:t>**-**-**</a:t>
+            </a:r>
+            <a:endParaRPr kumimoji="0" lang="en-GB" sz="2400" b="1" i="0" u="none" strike="noStrike" kern="1200" cap="none" spc="0" normalizeH="0" baseline="0" noProof="0" dirty="0">
+              <a:ln>
+                <a:noFill/>
+              </a:ln>
+              <a:solidFill>
+                <a:prstClr val="black"/>
+              </a:solidFill>
+              <a:effectLst/>
+              <a:uLnTx/>
+              <a:uFillTx/>
+              <a:latin typeface="Arial" panose="020B0604020202020204" pitchFamily="34" charset="0"/>
+              <a:ea typeface="+mn-ea"/>
+              <a:cs typeface="Arial" panose="020B0604020202020204" pitchFamily="34" charset="0"/>
+            </a:endParaRPr>
+          </a:p>
+        </p:txBody>
+      </p:sp>
+      <p:pic>
+        <p:nvPicPr>
+          <p:cNvPr id="7" name="Picture 6">
+            <a:extLst>
+              <a:ext uri="{FF2B5EF4-FFF2-40B4-BE49-F238E27FC236}">
+                <a16:creationId xmlns:a16="http://schemas.microsoft.com/office/drawing/2014/main" id="{67FCE1CC-C173-D89A-A5DB-4C15476176C8}"/>
+              </a:ext>
+            </a:extLst>
+          </p:cNvPr>
+          <p:cNvPicPr>
+            <a:picLocks noChangeAspect="1"/>
+          </p:cNvPicPr>
+          <p:nvPr/>
+        </p:nvPicPr>
+        <p:blipFill>
+          <a:blip r:embed="rId5">
+            <a:extLst>
+              <a:ext uri="{28A0092B-C50C-407E-A947-70E740481C1C}">
+                <a14:useLocalDpi xmlns:a14="http://schemas.microsoft.com/office/drawing/2010/main" val="0"/>
+              </a:ext>
+            </a:extLst>
+          </a:blip>
+          <a:srcRect/>
+          <a:stretch/>
+        </p:blipFill>
+        <p:spPr>
+          <a:xfrm>
+            <a:off x="6343650" y="5097651"/>
+            <a:ext cx="1587722" cy="1587722"/>
+          </a:xfrm>
+          <a:prstGeom prst="rect">
+            <a:avLst/>
+          </a:prstGeom>
+        </p:spPr>
+      </p:pic>
+      <p:pic>
+        <p:nvPicPr>
+          <p:cNvPr id="8" name="Picture 7">
+            <a:extLst>
+              <a:ext uri="{FF2B5EF4-FFF2-40B4-BE49-F238E27FC236}">
+                <a16:creationId xmlns:a16="http://schemas.microsoft.com/office/drawing/2014/main" id="{0E519B13-5507-6805-DCCE-9FB78F2ACF39}"/>
+              </a:ext>
+            </a:extLst>
+          </p:cNvPr>
+          <p:cNvPicPr>
+            <a:picLocks noChangeAspect="1"/>
+          </p:cNvPicPr>
+          <p:nvPr/>
+        </p:nvPicPr>
+        <p:blipFill rotWithShape="1">
+          <a:blip r:embed="rId6">
+            <a:extLst>
+              <a:ext uri="{28A0092B-C50C-407E-A947-70E740481C1C}">
+                <a14:useLocalDpi xmlns:a14="http://schemas.microsoft.com/office/drawing/2010/main" val="0"/>
+              </a:ext>
+            </a:extLst>
+          </a:blip>
+          <a:srcRect l="6300" t="15443" r="6024" b="14050"/>
+          <a:stretch/>
+        </p:blipFill>
+        <p:spPr bwMode="auto">
+          <a:xfrm>
+            <a:off x="8801100" y="320156"/>
+            <a:ext cx="3140698" cy="948012"/>
+          </a:xfrm>
+          <a:prstGeom prst="rect">
+            <a:avLst/>
+          </a:prstGeom>
+          <a:ln>
+            <a:noFill/>
+          </a:ln>
+          <a:extLst>
+            <a:ext uri="{53640926-AAD7-44D8-BBD7-CCE9431645EC}">
+              <a14:shadowObscured xmlns:a14="http://schemas.microsoft.com/office/drawing/2010/main"/>
+            </a:ext>
+          </a:extLst>
+        </p:spPr>
+      </p:pic>
     </p:spTree>
     <p:extLst>
       <p:ext uri="{BB962C8B-B14F-4D97-AF65-F5344CB8AC3E}">

--- a/docs/slides/PSYC761_L6_ANOVA_2.pptx
+++ b/docs/slides/PSYC761_L6_ANOVA_2.pptx
@@ -164,7 +164,7 @@
 <file path=ppt/revisionInfo.xml><?xml version="1.0" encoding="utf-8"?>
 <p1510:revInfo xmlns:a="http://schemas.openxmlformats.org/drawingml/2006/main" xmlns:r="http://schemas.openxmlformats.org/officeDocument/2006/relationships" xmlns:p1510="http://schemas.microsoft.com/office/powerpoint/2015/10/main">
   <p1510:revLst>
-    <p1510:client id="{0A156C8F-B3AD-4082-91CA-556E28E77B39}" v="1" dt="2024-01-15T16:11:25.089"/>
+    <p1510:client id="{BC8137BD-4F84-435E-9D18-FA27D10BE496}" v="1" dt="2023-12-01T15:46:10.497"/>
   </p1510:revLst>
 </p1510:revInfo>
 </file>
@@ -293,54 +293,6 @@
     </pc:docChg>
   </pc:docChgLst>
   <pc:docChgLst>
-    <pc:chgData name="Christopher Berry" userId="468ae48a-5539-4b21-98ea-6081f4d86140" providerId="ADAL" clId="{0A156C8F-B3AD-4082-91CA-556E28E77B39}"/>
-    <pc:docChg chg="modSld">
-      <pc:chgData name="Christopher Berry" userId="468ae48a-5539-4b21-98ea-6081f4d86140" providerId="ADAL" clId="{0A156C8F-B3AD-4082-91CA-556E28E77B39}" dt="2024-01-15T16:11:25.089" v="0"/>
-      <pc:docMkLst>
-        <pc:docMk/>
-      </pc:docMkLst>
-      <pc:sldChg chg="addSp modSp">
-        <pc:chgData name="Christopher Berry" userId="468ae48a-5539-4b21-98ea-6081f4d86140" providerId="ADAL" clId="{0A156C8F-B3AD-4082-91CA-556E28E77B39}" dt="2024-01-15T16:11:25.089" v="0"/>
-        <pc:sldMkLst>
-          <pc:docMk/>
-          <pc:sldMk cId="1337738250" sldId="257"/>
-        </pc:sldMkLst>
-        <pc:spChg chg="add mod">
-          <ac:chgData name="Christopher Berry" userId="468ae48a-5539-4b21-98ea-6081f4d86140" providerId="ADAL" clId="{0A156C8F-B3AD-4082-91CA-556E28E77B39}" dt="2024-01-15T16:11:25.089" v="0"/>
-          <ac:spMkLst>
-            <pc:docMk/>
-            <pc:sldMk cId="1337738250" sldId="257"/>
-            <ac:spMk id="5" creationId="{5CFDB91C-7BDD-E102-F98A-FF2399A6DFA5}"/>
-          </ac:spMkLst>
-        </pc:spChg>
-        <pc:spChg chg="add mod">
-          <ac:chgData name="Christopher Berry" userId="468ae48a-5539-4b21-98ea-6081f4d86140" providerId="ADAL" clId="{0A156C8F-B3AD-4082-91CA-556E28E77B39}" dt="2024-01-15T16:11:25.089" v="0"/>
-          <ac:spMkLst>
-            <pc:docMk/>
-            <pc:sldMk cId="1337738250" sldId="257"/>
-            <ac:spMk id="6" creationId="{C527B95A-A92E-DEFB-5F04-A64219D0E4D5}"/>
-          </ac:spMkLst>
-        </pc:spChg>
-        <pc:picChg chg="add mod">
-          <ac:chgData name="Christopher Berry" userId="468ae48a-5539-4b21-98ea-6081f4d86140" providerId="ADAL" clId="{0A156C8F-B3AD-4082-91CA-556E28E77B39}" dt="2024-01-15T16:11:25.089" v="0"/>
-          <ac:picMkLst>
-            <pc:docMk/>
-            <pc:sldMk cId="1337738250" sldId="257"/>
-            <ac:picMk id="7" creationId="{67FCE1CC-C173-D89A-A5DB-4C15476176C8}"/>
-          </ac:picMkLst>
-        </pc:picChg>
-        <pc:picChg chg="add mod">
-          <ac:chgData name="Christopher Berry" userId="468ae48a-5539-4b21-98ea-6081f4d86140" providerId="ADAL" clId="{0A156C8F-B3AD-4082-91CA-556E28E77B39}" dt="2024-01-15T16:11:25.089" v="0"/>
-          <ac:picMkLst>
-            <pc:docMk/>
-            <pc:sldMk cId="1337738250" sldId="257"/>
-            <ac:picMk id="8" creationId="{0E519B13-5507-6805-DCCE-9FB78F2ACF39}"/>
-          </ac:picMkLst>
-        </pc:picChg>
-      </pc:sldChg>
-    </pc:docChg>
-  </pc:docChgLst>
-  <pc:docChgLst>
     <pc:chgData name="Christopher Berry" userId="468ae48a-5539-4b21-98ea-6081f4d86140" providerId="ADAL" clId="{BC8137BD-4F84-435E-9D18-FA27D10BE496}"/>
     <pc:docChg chg="custSel modSld">
       <pc:chgData name="Christopher Berry" userId="468ae48a-5539-4b21-98ea-6081f4d86140" providerId="ADAL" clId="{BC8137BD-4F84-435E-9D18-FA27D10BE496}" dt="2023-12-01T15:46:21.336" v="8" actId="21"/>
@@ -520,7 +472,7 @@
           <a:p>
             <a:fld id="{39F2F66B-899D-484E-9C99-E1DBE23F9DE9}" type="datetimeFigureOut">
               <a:rPr lang="en-GB" smtClean="0"/>
-              <a:t>15/01/2024</a:t>
+              <a:t>01/12/2023</a:t>
             </a:fld>
             <a:endParaRPr lang="en-GB"/>
           </a:p>
@@ -686,7 +638,7 @@
             <a:fld id="{2C09A945-60CF-41CC-BF14-DA645D9ABE0F}" type="datetimeFigureOut">
               <a:rPr lang="en-GB" smtClean="0"/>
               <a:pPr/>
-              <a:t>15/01/2024</a:t>
+              <a:t>01/12/2023</a:t>
             </a:fld>
             <a:endParaRPr lang="en-GB"/>
           </a:p>
@@ -2606,7 +2558,7 @@
             <a:fld id="{FD207E47-C1CA-47C9-BFA1-FDEFD1CE1BAA}" type="datetime1">
               <a:rPr lang="en-US" smtClean="0"/>
               <a:pPr/>
-              <a:t>1/15/2024</a:t>
+              <a:t>12/1/2023</a:t>
             </a:fld>
             <a:endParaRPr lang="en-US"/>
           </a:p>
@@ -2771,7 +2723,7 @@
             <a:fld id="{58C692B5-BE86-445D-88C0-242C83A9421E}" type="datetime1">
               <a:rPr lang="en-US" smtClean="0"/>
               <a:pPr/>
-              <a:t>1/15/2024</a:t>
+              <a:t>12/1/2023</a:t>
             </a:fld>
             <a:endParaRPr lang="en-US"/>
           </a:p>
@@ -2946,7 +2898,7 @@
             <a:fld id="{6A70B350-EB04-4702-A2C6-BB029CC917C4}" type="datetime1">
               <a:rPr lang="en-US" smtClean="0"/>
               <a:pPr/>
-              <a:t>1/15/2024</a:t>
+              <a:t>12/1/2023</a:t>
             </a:fld>
             <a:endParaRPr lang="en-US"/>
           </a:p>
@@ -3111,7 +3063,7 @@
             <a:fld id="{B19C5C7B-1CCF-4D03-A2E8-D3591213E0F6}" type="datetime1">
               <a:rPr lang="en-US" smtClean="0"/>
               <a:pPr/>
-              <a:t>1/15/2024</a:t>
+              <a:t>12/1/2023</a:t>
             </a:fld>
             <a:endParaRPr lang="en-US"/>
           </a:p>
@@ -3353,7 +3305,7 @@
             <a:fld id="{617DE08F-8114-45C2-9520-EC1882F8A669}" type="datetime1">
               <a:rPr lang="en-US" smtClean="0"/>
               <a:pPr/>
-              <a:t>1/15/2024</a:t>
+              <a:t>12/1/2023</a:t>
             </a:fld>
             <a:endParaRPr lang="en-US"/>
           </a:p>
@@ -3635,7 +3587,7 @@
             <a:fld id="{67FBBCEA-51D6-4D4F-B700-EBDD8904452C}" type="datetime1">
               <a:rPr lang="en-US" smtClean="0"/>
               <a:pPr/>
-              <a:t>1/15/2024</a:t>
+              <a:t>12/1/2023</a:t>
             </a:fld>
             <a:endParaRPr lang="en-US"/>
           </a:p>
@@ -4051,7 +4003,7 @@
             <a:fld id="{7C3355C0-4DE2-42D1-B918-7B0FCE7481FD}" type="datetime1">
               <a:rPr lang="en-US" smtClean="0"/>
               <a:pPr/>
-              <a:t>1/15/2024</a:t>
+              <a:t>12/1/2023</a:t>
             </a:fld>
             <a:endParaRPr lang="en-US"/>
           </a:p>
@@ -4165,7 +4117,7 @@
             <a:fld id="{41F9056E-53B5-467C-A68C-D5DD1F771BB5}" type="datetime1">
               <a:rPr lang="en-US" smtClean="0"/>
               <a:pPr/>
-              <a:t>1/15/2024</a:t>
+              <a:t>12/1/2023</a:t>
             </a:fld>
             <a:endParaRPr lang="en-US"/>
           </a:p>
@@ -4257,7 +4209,7 @@
             <a:fld id="{73236B7C-1414-4D49-8A59-8F56128C501B}" type="datetime1">
               <a:rPr lang="en-US" smtClean="0"/>
               <a:pPr/>
-              <a:t>1/15/2024</a:t>
+              <a:t>12/1/2023</a:t>
             </a:fld>
             <a:endParaRPr lang="en-US"/>
           </a:p>
@@ -4529,7 +4481,7 @@
             <a:fld id="{A40AEADC-23C0-4767-9AD7-3E7B6C343A0A}" type="datetime1">
               <a:rPr lang="en-US" smtClean="0"/>
               <a:pPr/>
-              <a:t>1/15/2024</a:t>
+              <a:t>12/1/2023</a:t>
             </a:fld>
             <a:endParaRPr lang="en-US"/>
           </a:p>
@@ -4778,7 +4730,7 @@
             <a:fld id="{07762B3B-4AFD-4E39-B6F8-E1A2354BA336}" type="datetime1">
               <a:rPr lang="en-US" smtClean="0"/>
               <a:pPr/>
-              <a:t>1/15/2024</a:t>
+              <a:t>12/1/2023</a:t>
             </a:fld>
             <a:endParaRPr lang="en-US"/>
           </a:p>
@@ -4991,7 +4943,7 @@
             <a:fld id="{16C4ABC6-3BA1-4854-92CA-2B0133ECAB44}" type="datetime1">
               <a:rPr lang="en-US" smtClean="0"/>
               <a:pPr/>
-              <a:t>1/15/2024</a:t>
+              <a:t>12/1/2023</a:t>
             </a:fld>
             <a:endParaRPr lang="en-US"/>
           </a:p>
@@ -5544,764 +5496,6 @@
           </a:p>
         </p:txBody>
       </p:sp>
-      <p:sp>
-        <p:nvSpPr>
-          <p:cNvPr id="5" name="Content Placeholder 2">
-            <a:extLst>
-              <a:ext uri="{FF2B5EF4-FFF2-40B4-BE49-F238E27FC236}">
-                <a16:creationId xmlns:a16="http://schemas.microsoft.com/office/drawing/2014/main" id="{5CFDB91C-7BDD-E102-F98A-FF2399A6DFA5}"/>
-              </a:ext>
-            </a:extLst>
-          </p:cNvPr>
-          <p:cNvSpPr txBox="1">
-            <a:spLocks/>
-          </p:cNvSpPr>
-          <p:nvPr/>
-        </p:nvSpPr>
-        <p:spPr>
-          <a:xfrm>
-            <a:off x="3027939" y="5267001"/>
-            <a:ext cx="3265095" cy="1057599"/>
-          </a:xfrm>
-          <a:prstGeom prst="rect">
-            <a:avLst/>
-          </a:prstGeom>
-        </p:spPr>
-        <p:txBody>
-          <a:bodyPr vert="horz" lIns="91440" tIns="45720" rIns="91440" bIns="45720" rtlCol="0">
-            <a:noAutofit/>
-          </a:bodyPr>
-          <a:lstStyle>
-            <a:lvl1pPr marL="228600" indent="-228600" algn="l" defTabSz="914400" rtl="0" eaLnBrk="1" latinLnBrk="0" hangingPunct="1">
-              <a:lnSpc>
-                <a:spcPct val="90000"/>
-              </a:lnSpc>
-              <a:spcBef>
-                <a:spcPts val="1000"/>
-              </a:spcBef>
-              <a:buFont typeface="Arial" panose="020B0604020202020204" pitchFamily="34" charset="0"/>
-              <a:buChar char="•"/>
-              <a:defRPr sz="2800" kern="1200">
-                <a:solidFill>
-                  <a:schemeClr val="tx1"/>
-                </a:solidFill>
-                <a:latin typeface="+mn-lt"/>
-                <a:ea typeface="+mn-ea"/>
-                <a:cs typeface="+mn-cs"/>
-              </a:defRPr>
-            </a:lvl1pPr>
-            <a:lvl2pPr marL="685800" indent="-228600" algn="l" defTabSz="914400" rtl="0" eaLnBrk="1" latinLnBrk="0" hangingPunct="1">
-              <a:lnSpc>
-                <a:spcPct val="90000"/>
-              </a:lnSpc>
-              <a:spcBef>
-                <a:spcPts val="500"/>
-              </a:spcBef>
-              <a:buFont typeface="Arial" panose="020B0604020202020204" pitchFamily="34" charset="0"/>
-              <a:buChar char="•"/>
-              <a:defRPr sz="2400" kern="1200">
-                <a:solidFill>
-                  <a:schemeClr val="tx1"/>
-                </a:solidFill>
-                <a:latin typeface="+mn-lt"/>
-                <a:ea typeface="+mn-ea"/>
-                <a:cs typeface="+mn-cs"/>
-              </a:defRPr>
-            </a:lvl2pPr>
-            <a:lvl3pPr marL="1143000" indent="-228600" algn="l" defTabSz="914400" rtl="0" eaLnBrk="1" latinLnBrk="0" hangingPunct="1">
-              <a:lnSpc>
-                <a:spcPct val="90000"/>
-              </a:lnSpc>
-              <a:spcBef>
-                <a:spcPts val="500"/>
-              </a:spcBef>
-              <a:buFont typeface="Arial" panose="020B0604020202020204" pitchFamily="34" charset="0"/>
-              <a:buChar char="•"/>
-              <a:defRPr sz="2000" kern="1200">
-                <a:solidFill>
-                  <a:schemeClr val="tx1"/>
-                </a:solidFill>
-                <a:latin typeface="+mn-lt"/>
-                <a:ea typeface="+mn-ea"/>
-                <a:cs typeface="+mn-cs"/>
-              </a:defRPr>
-            </a:lvl3pPr>
-            <a:lvl4pPr marL="1600200" indent="-228600" algn="l" defTabSz="914400" rtl="0" eaLnBrk="1" latinLnBrk="0" hangingPunct="1">
-              <a:lnSpc>
-                <a:spcPct val="90000"/>
-              </a:lnSpc>
-              <a:spcBef>
-                <a:spcPts val="500"/>
-              </a:spcBef>
-              <a:buFont typeface="Arial" panose="020B0604020202020204" pitchFamily="34" charset="0"/>
-              <a:buChar char="•"/>
-              <a:defRPr sz="1800" kern="1200">
-                <a:solidFill>
-                  <a:schemeClr val="tx1"/>
-                </a:solidFill>
-                <a:latin typeface="+mn-lt"/>
-                <a:ea typeface="+mn-ea"/>
-                <a:cs typeface="+mn-cs"/>
-              </a:defRPr>
-            </a:lvl4pPr>
-            <a:lvl5pPr marL="2057400" indent="-228600" algn="l" defTabSz="914400" rtl="0" eaLnBrk="1" latinLnBrk="0" hangingPunct="1">
-              <a:lnSpc>
-                <a:spcPct val="90000"/>
-              </a:lnSpc>
-              <a:spcBef>
-                <a:spcPts val="500"/>
-              </a:spcBef>
-              <a:buFont typeface="Arial" panose="020B0604020202020204" pitchFamily="34" charset="0"/>
-              <a:buChar char="•"/>
-              <a:defRPr sz="1800" kern="1200">
-                <a:solidFill>
-                  <a:schemeClr val="tx1"/>
-                </a:solidFill>
-                <a:latin typeface="+mn-lt"/>
-                <a:ea typeface="+mn-ea"/>
-                <a:cs typeface="+mn-cs"/>
-              </a:defRPr>
-            </a:lvl5pPr>
-            <a:lvl6pPr marL="2514600" indent="-228600" algn="l" defTabSz="914400" rtl="0" eaLnBrk="1" latinLnBrk="0" hangingPunct="1">
-              <a:lnSpc>
-                <a:spcPct val="90000"/>
-              </a:lnSpc>
-              <a:spcBef>
-                <a:spcPts val="500"/>
-              </a:spcBef>
-              <a:buFont typeface="Arial" panose="020B0604020202020204" pitchFamily="34" charset="0"/>
-              <a:buChar char="•"/>
-              <a:defRPr sz="1800" kern="1200">
-                <a:solidFill>
-                  <a:schemeClr val="tx1"/>
-                </a:solidFill>
-                <a:latin typeface="+mn-lt"/>
-                <a:ea typeface="+mn-ea"/>
-                <a:cs typeface="+mn-cs"/>
-              </a:defRPr>
-            </a:lvl6pPr>
-            <a:lvl7pPr marL="2971800" indent="-228600" algn="l" defTabSz="914400" rtl="0" eaLnBrk="1" latinLnBrk="0" hangingPunct="1">
-              <a:lnSpc>
-                <a:spcPct val="90000"/>
-              </a:lnSpc>
-              <a:spcBef>
-                <a:spcPts val="500"/>
-              </a:spcBef>
-              <a:buFont typeface="Arial" panose="020B0604020202020204" pitchFamily="34" charset="0"/>
-              <a:buChar char="•"/>
-              <a:defRPr sz="1800" kern="1200">
-                <a:solidFill>
-                  <a:schemeClr val="tx1"/>
-                </a:solidFill>
-                <a:latin typeface="+mn-lt"/>
-                <a:ea typeface="+mn-ea"/>
-                <a:cs typeface="+mn-cs"/>
-              </a:defRPr>
-            </a:lvl7pPr>
-            <a:lvl8pPr marL="3429000" indent="-228600" algn="l" defTabSz="914400" rtl="0" eaLnBrk="1" latinLnBrk="0" hangingPunct="1">
-              <a:lnSpc>
-                <a:spcPct val="90000"/>
-              </a:lnSpc>
-              <a:spcBef>
-                <a:spcPts val="500"/>
-              </a:spcBef>
-              <a:buFont typeface="Arial" panose="020B0604020202020204" pitchFamily="34" charset="0"/>
-              <a:buChar char="•"/>
-              <a:defRPr sz="1800" kern="1200">
-                <a:solidFill>
-                  <a:schemeClr val="tx1"/>
-                </a:solidFill>
-                <a:latin typeface="+mn-lt"/>
-                <a:ea typeface="+mn-ea"/>
-                <a:cs typeface="+mn-cs"/>
-              </a:defRPr>
-            </a:lvl8pPr>
-            <a:lvl9pPr marL="3886200" indent="-228600" algn="l" defTabSz="914400" rtl="0" eaLnBrk="1" latinLnBrk="0" hangingPunct="1">
-              <a:lnSpc>
-                <a:spcPct val="90000"/>
-              </a:lnSpc>
-              <a:spcBef>
-                <a:spcPts val="500"/>
-              </a:spcBef>
-              <a:buFont typeface="Arial" panose="020B0604020202020204" pitchFamily="34" charset="0"/>
-              <a:buChar char="•"/>
-              <a:defRPr sz="1800" kern="1200">
-                <a:solidFill>
-                  <a:schemeClr val="tx1"/>
-                </a:solidFill>
-                <a:latin typeface="+mn-lt"/>
-                <a:ea typeface="+mn-ea"/>
-                <a:cs typeface="+mn-cs"/>
-              </a:defRPr>
-            </a:lvl9pPr>
-          </a:lstStyle>
-          <a:p>
-            <a:pPr marL="0" marR="0" lvl="0" indent="0" algn="l" defTabSz="914400" rtl="0" eaLnBrk="1" fontAlgn="auto" latinLnBrk="0" hangingPunct="1">
-              <a:lnSpc>
-                <a:spcPct val="100000"/>
-              </a:lnSpc>
-              <a:spcBef>
-                <a:spcPts val="0"/>
-              </a:spcBef>
-              <a:spcAft>
-                <a:spcPts val="0"/>
-              </a:spcAft>
-              <a:buClrTx/>
-              <a:buSzTx/>
-              <a:buFont typeface="Arial" panose="020B0604020202020204" pitchFamily="34" charset="0"/>
-              <a:buNone/>
-              <a:tabLst/>
-              <a:defRPr/>
-            </a:pPr>
-            <a:r>
-              <a:rPr kumimoji="0" lang="en-GB" sz="2000" b="0" i="1" u="none" strike="noStrike" kern="1200" cap="none" spc="0" normalizeH="0" baseline="0" noProof="0">
-                <a:ln>
-                  <a:noFill/>
-                </a:ln>
-                <a:solidFill>
-                  <a:sysClr val="windowText" lastClr="000000"/>
-                </a:solidFill>
-                <a:effectLst/>
-                <a:uLnTx/>
-                <a:uFillTx/>
-                <a:latin typeface="Calibri" panose="020F0502020204030204"/>
-                <a:ea typeface="+mn-ea"/>
-                <a:cs typeface="+mn-cs"/>
-              </a:rPr>
-              <a:t>Book an office appointment:</a:t>
-            </a:r>
-          </a:p>
-          <a:p>
-            <a:pPr marL="0" marR="0" lvl="0" indent="0" algn="l" defTabSz="914400" rtl="0" eaLnBrk="1" fontAlgn="auto" latinLnBrk="0" hangingPunct="1">
-              <a:lnSpc>
-                <a:spcPct val="100000"/>
-              </a:lnSpc>
-              <a:spcBef>
-                <a:spcPts val="0"/>
-              </a:spcBef>
-              <a:spcAft>
-                <a:spcPts val="0"/>
-              </a:spcAft>
-              <a:buClrTx/>
-              <a:buSzTx/>
-              <a:buFont typeface="Arial" panose="020B0604020202020204" pitchFamily="34" charset="0"/>
-              <a:buNone/>
-              <a:tabLst/>
-              <a:defRPr/>
-            </a:pPr>
-            <a:r>
-              <a:rPr kumimoji="0" lang="en-GB" sz="2000" b="0" i="0" u="none" strike="noStrike" kern="1200" cap="none" spc="0" normalizeH="0" baseline="0" noProof="0">
-                <a:ln>
-                  <a:noFill/>
-                </a:ln>
-                <a:solidFill>
-                  <a:sysClr val="windowText" lastClr="000000"/>
-                </a:solidFill>
-                <a:effectLst/>
-                <a:uLnTx/>
-                <a:uFillTx/>
-                <a:latin typeface="Calibri" panose="020F0502020204030204"/>
-                <a:ea typeface="+mn-ea"/>
-                <a:cs typeface="+mn-cs"/>
-              </a:rPr>
-              <a:t>Usually Tue and Fri 1-2pm</a:t>
-            </a:r>
-          </a:p>
-          <a:p>
-            <a:pPr marL="0" marR="0" lvl="0" indent="0" algn="l" defTabSz="914400" rtl="0" eaLnBrk="1" fontAlgn="auto" latinLnBrk="0" hangingPunct="1">
-              <a:lnSpc>
-                <a:spcPct val="100000"/>
-              </a:lnSpc>
-              <a:spcBef>
-                <a:spcPts val="0"/>
-              </a:spcBef>
-              <a:spcAft>
-                <a:spcPts val="0"/>
-              </a:spcAft>
-              <a:buClrTx/>
-              <a:buSzTx/>
-              <a:buFont typeface="Arial" panose="020B0604020202020204" pitchFamily="34" charset="0"/>
-              <a:buNone/>
-              <a:tabLst/>
-              <a:defRPr/>
-            </a:pPr>
-            <a:r>
-              <a:rPr kumimoji="0" lang="en-GB" sz="1800" b="0" i="0" u="none" strike="noStrike" kern="1200" cap="none" spc="0" normalizeH="0" baseline="0" noProof="0">
-                <a:ln>
-                  <a:noFill/>
-                </a:ln>
-                <a:solidFill>
-                  <a:sysClr val="windowText" lastClr="000000"/>
-                </a:solidFill>
-                <a:effectLst/>
-                <a:uLnTx/>
-                <a:uFillTx/>
-                <a:latin typeface="Calibri" panose="020F0502020204030204"/>
-                <a:ea typeface="+mn-ea"/>
-                <a:cs typeface="+mn-cs"/>
-              </a:rPr>
-              <a:t>Scan QR code or click </a:t>
-            </a:r>
-            <a:r>
-              <a:rPr kumimoji="0" lang="en-GB" sz="1800" b="0" i="0" u="none" strike="noStrike" kern="1200" cap="none" spc="0" normalizeH="0" baseline="0" noProof="0">
-                <a:ln>
-                  <a:noFill/>
-                </a:ln>
-                <a:solidFill>
-                  <a:sysClr val="windowText" lastClr="000000"/>
-                </a:solidFill>
-                <a:effectLst/>
-                <a:uLnTx/>
-                <a:uFillTx/>
-                <a:latin typeface="Calibri" panose="020F0502020204030204"/>
-                <a:ea typeface="+mn-ea"/>
-                <a:cs typeface="+mn-cs"/>
-                <a:hlinkClick r:id="rId4"/>
-              </a:rPr>
-              <a:t>here</a:t>
-            </a:r>
-            <a:endParaRPr kumimoji="0" lang="en-GB" sz="2400" b="0" i="0" u="none" strike="noStrike" kern="1200" cap="none" spc="0" normalizeH="0" baseline="0" noProof="0">
-              <a:ln>
-                <a:noFill/>
-              </a:ln>
-              <a:solidFill>
-                <a:sysClr val="windowText" lastClr="000000"/>
-              </a:solidFill>
-              <a:effectLst/>
-              <a:uLnTx/>
-              <a:uFillTx/>
-              <a:latin typeface="Calibri" panose="020F0502020204030204"/>
-              <a:ea typeface="+mn-ea"/>
-              <a:cs typeface="+mn-cs"/>
-            </a:endParaRPr>
-          </a:p>
-          <a:p>
-            <a:pPr marL="0" marR="0" lvl="0" indent="0" algn="l" defTabSz="914400" rtl="0" eaLnBrk="1" fontAlgn="auto" latinLnBrk="0" hangingPunct="1">
-              <a:lnSpc>
-                <a:spcPct val="100000"/>
-              </a:lnSpc>
-              <a:spcBef>
-                <a:spcPts val="0"/>
-              </a:spcBef>
-              <a:spcAft>
-                <a:spcPts val="0"/>
-              </a:spcAft>
-              <a:buClrTx/>
-              <a:buSzTx/>
-              <a:buFont typeface="Arial" panose="020B0604020202020204" pitchFamily="34" charset="0"/>
-              <a:buNone/>
-              <a:tabLst/>
-              <a:defRPr/>
-            </a:pPr>
-            <a:endParaRPr kumimoji="0" lang="en-GB" sz="2400" b="0" i="0" u="none" strike="noStrike" kern="1200" cap="none" spc="0" normalizeH="0" baseline="0" noProof="0">
-              <a:ln>
-                <a:noFill/>
-              </a:ln>
-              <a:solidFill>
-                <a:sysClr val="windowText" lastClr="000000"/>
-              </a:solidFill>
-              <a:effectLst/>
-              <a:uLnTx/>
-              <a:uFillTx/>
-              <a:latin typeface="Calibri" panose="020F0502020204030204"/>
-              <a:ea typeface="+mn-ea"/>
-              <a:cs typeface="+mn-cs"/>
-            </a:endParaRPr>
-          </a:p>
-          <a:p>
-            <a:pPr marL="0" marR="0" lvl="0" indent="0" algn="l" defTabSz="914400" rtl="0" eaLnBrk="1" fontAlgn="auto" latinLnBrk="0" hangingPunct="1">
-              <a:lnSpc>
-                <a:spcPct val="100000"/>
-              </a:lnSpc>
-              <a:spcBef>
-                <a:spcPts val="0"/>
-              </a:spcBef>
-              <a:spcAft>
-                <a:spcPts val="0"/>
-              </a:spcAft>
-              <a:buClrTx/>
-              <a:buSzTx/>
-              <a:buFont typeface="Arial" panose="020B0604020202020204" pitchFamily="34" charset="0"/>
-              <a:buNone/>
-              <a:tabLst/>
-              <a:defRPr/>
-            </a:pPr>
-            <a:endParaRPr kumimoji="0" lang="en-GB" sz="2400" b="0" i="0" u="none" strike="noStrike" kern="1200" cap="none" spc="0" normalizeH="0" baseline="0" noProof="0">
-              <a:ln>
-                <a:noFill/>
-              </a:ln>
-              <a:solidFill>
-                <a:sysClr val="windowText" lastClr="000000"/>
-              </a:solidFill>
-              <a:effectLst/>
-              <a:uLnTx/>
-              <a:uFillTx/>
-              <a:latin typeface="Calibri" panose="020F0502020204030204"/>
-              <a:ea typeface="+mn-ea"/>
-              <a:cs typeface="+mn-cs"/>
-            </a:endParaRPr>
-          </a:p>
-          <a:p>
-            <a:pPr marL="0" marR="0" lvl="0" indent="0" algn="l" defTabSz="914400" rtl="0" eaLnBrk="1" fontAlgn="auto" latinLnBrk="0" hangingPunct="1">
-              <a:lnSpc>
-                <a:spcPct val="90000"/>
-              </a:lnSpc>
-              <a:spcBef>
-                <a:spcPts val="1000"/>
-              </a:spcBef>
-              <a:spcAft>
-                <a:spcPts val="0"/>
-              </a:spcAft>
-              <a:buClrTx/>
-              <a:buSzTx/>
-              <a:buFont typeface="Arial" panose="020B0604020202020204" pitchFamily="34" charset="0"/>
-              <a:buNone/>
-              <a:tabLst/>
-              <a:defRPr/>
-            </a:pPr>
-            <a:endParaRPr kumimoji="0" lang="en-GB" sz="2400" b="0" i="0" u="none" strike="noStrike" kern="1200" cap="none" spc="0" normalizeH="0" baseline="0" noProof="0" dirty="0">
-              <a:ln>
-                <a:noFill/>
-              </a:ln>
-              <a:solidFill>
-                <a:sysClr val="windowText" lastClr="000000"/>
-              </a:solidFill>
-              <a:effectLst/>
-              <a:uLnTx/>
-              <a:uFillTx/>
-              <a:latin typeface="Calibri" panose="020F0502020204030204"/>
-              <a:ea typeface="+mn-ea"/>
-              <a:cs typeface="+mn-cs"/>
-            </a:endParaRPr>
-          </a:p>
-        </p:txBody>
-      </p:sp>
-      <p:sp>
-        <p:nvSpPr>
-          <p:cNvPr id="6" name="Rectangle 5">
-            <a:extLst>
-              <a:ext uri="{FF2B5EF4-FFF2-40B4-BE49-F238E27FC236}">
-                <a16:creationId xmlns:a16="http://schemas.microsoft.com/office/drawing/2014/main" id="{C527B95A-A92E-DEFB-5F04-A64219D0E4D5}"/>
-              </a:ext>
-            </a:extLst>
-          </p:cNvPr>
-          <p:cNvSpPr/>
-          <p:nvPr/>
-        </p:nvSpPr>
-        <p:spPr>
-          <a:xfrm>
-            <a:off x="9526843" y="5267002"/>
-            <a:ext cx="2388254" cy="914400"/>
-          </a:xfrm>
-          <a:prstGeom prst="rect">
-            <a:avLst/>
-          </a:prstGeom>
-          <a:noFill/>
-          <a:ln w="12700" cap="flat" cmpd="sng" algn="ctr">
-            <a:noFill/>
-            <a:prstDash val="solid"/>
-            <a:miter lim="800000"/>
-          </a:ln>
-          <a:effectLst/>
-        </p:spPr>
-        <p:txBody>
-          <a:bodyPr rot="0" spcFirstLastPara="0" vert="horz" wrap="square" lIns="91440" tIns="45720" rIns="91440" bIns="45720" numCol="1" spcCol="0" rtlCol="0" fromWordArt="0" anchor="ctr" anchorCtr="0" forceAA="0" compatLnSpc="1">
-            <a:prstTxWarp prst="textNoShape">
-              <a:avLst/>
-            </a:prstTxWarp>
-            <a:noAutofit/>
-          </a:bodyPr>
-          <a:lstStyle>
-            <a:defPPr>
-              <a:defRPr lang="en-US"/>
-            </a:defPPr>
-            <a:lvl1pPr algn="l" rtl="0" fontAlgn="base">
-              <a:spcBef>
-                <a:spcPct val="0"/>
-              </a:spcBef>
-              <a:spcAft>
-                <a:spcPct val="0"/>
-              </a:spcAft>
-              <a:defRPr kern="1200">
-                <a:solidFill>
-                  <a:schemeClr val="lt1"/>
-                </a:solidFill>
-                <a:latin typeface="+mn-lt"/>
-                <a:ea typeface="+mn-ea"/>
-                <a:cs typeface="+mn-cs"/>
-              </a:defRPr>
-            </a:lvl1pPr>
-            <a:lvl2pPr marL="457200" algn="l" rtl="0" fontAlgn="base">
-              <a:spcBef>
-                <a:spcPct val="0"/>
-              </a:spcBef>
-              <a:spcAft>
-                <a:spcPct val="0"/>
-              </a:spcAft>
-              <a:defRPr kern="1200">
-                <a:solidFill>
-                  <a:schemeClr val="lt1"/>
-                </a:solidFill>
-                <a:latin typeface="+mn-lt"/>
-                <a:ea typeface="+mn-ea"/>
-                <a:cs typeface="+mn-cs"/>
-              </a:defRPr>
-            </a:lvl2pPr>
-            <a:lvl3pPr marL="914400" algn="l" rtl="0" fontAlgn="base">
-              <a:spcBef>
-                <a:spcPct val="0"/>
-              </a:spcBef>
-              <a:spcAft>
-                <a:spcPct val="0"/>
-              </a:spcAft>
-              <a:defRPr kern="1200">
-                <a:solidFill>
-                  <a:schemeClr val="lt1"/>
-                </a:solidFill>
-                <a:latin typeface="+mn-lt"/>
-                <a:ea typeface="+mn-ea"/>
-                <a:cs typeface="+mn-cs"/>
-              </a:defRPr>
-            </a:lvl3pPr>
-            <a:lvl4pPr marL="1371600" algn="l" rtl="0" fontAlgn="base">
-              <a:spcBef>
-                <a:spcPct val="0"/>
-              </a:spcBef>
-              <a:spcAft>
-                <a:spcPct val="0"/>
-              </a:spcAft>
-              <a:defRPr kern="1200">
-                <a:solidFill>
-                  <a:schemeClr val="lt1"/>
-                </a:solidFill>
-                <a:latin typeface="+mn-lt"/>
-                <a:ea typeface="+mn-ea"/>
-                <a:cs typeface="+mn-cs"/>
-              </a:defRPr>
-            </a:lvl4pPr>
-            <a:lvl5pPr marL="1828800" algn="l" rtl="0" fontAlgn="base">
-              <a:spcBef>
-                <a:spcPct val="0"/>
-              </a:spcBef>
-              <a:spcAft>
-                <a:spcPct val="0"/>
-              </a:spcAft>
-              <a:defRPr kern="1200">
-                <a:solidFill>
-                  <a:schemeClr val="lt1"/>
-                </a:solidFill>
-                <a:latin typeface="+mn-lt"/>
-                <a:ea typeface="+mn-ea"/>
-                <a:cs typeface="+mn-cs"/>
-              </a:defRPr>
-            </a:lvl5pPr>
-            <a:lvl6pPr marL="2286000" algn="l" defTabSz="914400" rtl="0" eaLnBrk="1" latinLnBrk="0" hangingPunct="1">
-              <a:defRPr kern="1200">
-                <a:solidFill>
-                  <a:schemeClr val="lt1"/>
-                </a:solidFill>
-                <a:latin typeface="+mn-lt"/>
-                <a:ea typeface="+mn-ea"/>
-                <a:cs typeface="+mn-cs"/>
-              </a:defRPr>
-            </a:lvl6pPr>
-            <a:lvl7pPr marL="2743200" algn="l" defTabSz="914400" rtl="0" eaLnBrk="1" latinLnBrk="0" hangingPunct="1">
-              <a:defRPr kern="1200">
-                <a:solidFill>
-                  <a:schemeClr val="lt1"/>
-                </a:solidFill>
-                <a:latin typeface="+mn-lt"/>
-                <a:ea typeface="+mn-ea"/>
-                <a:cs typeface="+mn-cs"/>
-              </a:defRPr>
-            </a:lvl7pPr>
-            <a:lvl8pPr marL="3200400" algn="l" defTabSz="914400" rtl="0" eaLnBrk="1" latinLnBrk="0" hangingPunct="1">
-              <a:defRPr kern="1200">
-                <a:solidFill>
-                  <a:schemeClr val="lt1"/>
-                </a:solidFill>
-                <a:latin typeface="+mn-lt"/>
-                <a:ea typeface="+mn-ea"/>
-                <a:cs typeface="+mn-cs"/>
-              </a:defRPr>
-            </a:lvl8pPr>
-            <a:lvl9pPr marL="3657600" algn="l" defTabSz="914400" rtl="0" eaLnBrk="1" latinLnBrk="0" hangingPunct="1">
-              <a:defRPr kern="1200">
-                <a:solidFill>
-                  <a:schemeClr val="lt1"/>
-                </a:solidFill>
-                <a:latin typeface="+mn-lt"/>
-                <a:ea typeface="+mn-ea"/>
-                <a:cs typeface="+mn-cs"/>
-              </a:defRPr>
-            </a:lvl9pPr>
-          </a:lstStyle>
-          <a:p>
-            <a:pPr marL="0" marR="0" lvl="0" indent="0" algn="l" defTabSz="914400" rtl="0" eaLnBrk="1" fontAlgn="base" latinLnBrk="0" hangingPunct="1">
-              <a:lnSpc>
-                <a:spcPct val="100000"/>
-              </a:lnSpc>
-              <a:spcBef>
-                <a:spcPct val="0"/>
-              </a:spcBef>
-              <a:spcAft>
-                <a:spcPct val="0"/>
-              </a:spcAft>
-              <a:buClrTx/>
-              <a:buSzTx/>
-              <a:buFontTx/>
-              <a:buNone/>
-              <a:tabLst/>
-              <a:defRPr/>
-            </a:pPr>
-            <a:r>
-              <a:rPr kumimoji="0" lang="en-GB" sz="2400" b="1" i="0" u="none" strike="noStrike" kern="1200" cap="none" spc="0" normalizeH="0" baseline="0" noProof="0" dirty="0">
-                <a:ln>
-                  <a:noFill/>
-                </a:ln>
-                <a:solidFill>
-                  <a:prstClr val="black"/>
-                </a:solidFill>
-                <a:effectLst/>
-                <a:uLnTx/>
-                <a:uFillTx/>
-                <a:latin typeface="Arial" panose="020B0604020202020204" pitchFamily="34" charset="0"/>
-                <a:ea typeface="+mn-ea"/>
-                <a:cs typeface="Arial" panose="020B0604020202020204" pitchFamily="34" charset="0"/>
-              </a:rPr>
-              <a:t>Check in code</a:t>
-            </a:r>
-          </a:p>
-          <a:p>
-            <a:pPr marL="0" marR="0" lvl="0" indent="0" algn="l" defTabSz="914400" rtl="0" eaLnBrk="1" fontAlgn="base" latinLnBrk="0" hangingPunct="1">
-              <a:lnSpc>
-                <a:spcPct val="100000"/>
-              </a:lnSpc>
-              <a:spcBef>
-                <a:spcPct val="0"/>
-              </a:spcBef>
-              <a:spcAft>
-                <a:spcPct val="0"/>
-              </a:spcAft>
-              <a:buClrTx/>
-              <a:buSzTx/>
-              <a:buFontTx/>
-              <a:buNone/>
-              <a:tabLst/>
-              <a:defRPr/>
-            </a:pPr>
-            <a:r>
-              <a:rPr kumimoji="0" lang="en-GB" sz="2400" b="1" i="0" u="none" strike="noStrike" kern="1200" cap="none" spc="0" normalizeH="0" baseline="0" noProof="0" dirty="0">
-                <a:ln>
-                  <a:noFill/>
-                </a:ln>
-                <a:solidFill>
-                  <a:srgbClr val="FF0000"/>
-                </a:solidFill>
-                <a:effectLst/>
-                <a:uLnTx/>
-                <a:uFillTx/>
-                <a:latin typeface="Arial" panose="020B0604020202020204" pitchFamily="34" charset="0"/>
-                <a:ea typeface="+mn-ea"/>
-                <a:cs typeface="Arial" panose="020B0604020202020204" pitchFamily="34" charset="0"/>
-              </a:rPr>
-              <a:t>**-**-**</a:t>
-            </a:r>
-            <a:endParaRPr kumimoji="0" lang="en-GB" sz="2400" b="1" i="0" u="none" strike="noStrike" kern="1200" cap="none" spc="0" normalizeH="0" baseline="0" noProof="0" dirty="0">
-              <a:ln>
-                <a:noFill/>
-              </a:ln>
-              <a:solidFill>
-                <a:prstClr val="black"/>
-              </a:solidFill>
-              <a:effectLst/>
-              <a:uLnTx/>
-              <a:uFillTx/>
-              <a:latin typeface="Arial" panose="020B0604020202020204" pitchFamily="34" charset="0"/>
-              <a:ea typeface="+mn-ea"/>
-              <a:cs typeface="Arial" panose="020B0604020202020204" pitchFamily="34" charset="0"/>
-            </a:endParaRPr>
-          </a:p>
-        </p:txBody>
-      </p:sp>
-      <p:pic>
-        <p:nvPicPr>
-          <p:cNvPr id="7" name="Picture 6">
-            <a:extLst>
-              <a:ext uri="{FF2B5EF4-FFF2-40B4-BE49-F238E27FC236}">
-                <a16:creationId xmlns:a16="http://schemas.microsoft.com/office/drawing/2014/main" id="{67FCE1CC-C173-D89A-A5DB-4C15476176C8}"/>
-              </a:ext>
-            </a:extLst>
-          </p:cNvPr>
-          <p:cNvPicPr>
-            <a:picLocks noChangeAspect="1"/>
-          </p:cNvPicPr>
-          <p:nvPr/>
-        </p:nvPicPr>
-        <p:blipFill>
-          <a:blip r:embed="rId5">
-            <a:extLst>
-              <a:ext uri="{28A0092B-C50C-407E-A947-70E740481C1C}">
-                <a14:useLocalDpi xmlns:a14="http://schemas.microsoft.com/office/drawing/2010/main" val="0"/>
-              </a:ext>
-            </a:extLst>
-          </a:blip>
-          <a:srcRect/>
-          <a:stretch/>
-        </p:blipFill>
-        <p:spPr>
-          <a:xfrm>
-            <a:off x="6343650" y="5097651"/>
-            <a:ext cx="1587722" cy="1587722"/>
-          </a:xfrm>
-          <a:prstGeom prst="rect">
-            <a:avLst/>
-          </a:prstGeom>
-        </p:spPr>
-      </p:pic>
-      <p:pic>
-        <p:nvPicPr>
-          <p:cNvPr id="8" name="Picture 7">
-            <a:extLst>
-              <a:ext uri="{FF2B5EF4-FFF2-40B4-BE49-F238E27FC236}">
-                <a16:creationId xmlns:a16="http://schemas.microsoft.com/office/drawing/2014/main" id="{0E519B13-5507-6805-DCCE-9FB78F2ACF39}"/>
-              </a:ext>
-            </a:extLst>
-          </p:cNvPr>
-          <p:cNvPicPr>
-            <a:picLocks noChangeAspect="1"/>
-          </p:cNvPicPr>
-          <p:nvPr/>
-        </p:nvPicPr>
-        <p:blipFill rotWithShape="1">
-          <a:blip r:embed="rId6">
-            <a:extLst>
-              <a:ext uri="{28A0092B-C50C-407E-A947-70E740481C1C}">
-                <a14:useLocalDpi xmlns:a14="http://schemas.microsoft.com/office/drawing/2010/main" val="0"/>
-              </a:ext>
-            </a:extLst>
-          </a:blip>
-          <a:srcRect l="6300" t="15443" r="6024" b="14050"/>
-          <a:stretch/>
-        </p:blipFill>
-        <p:spPr bwMode="auto">
-          <a:xfrm>
-            <a:off x="8801100" y="320156"/>
-            <a:ext cx="3140698" cy="948012"/>
-          </a:xfrm>
-          <a:prstGeom prst="rect">
-            <a:avLst/>
-          </a:prstGeom>
-          <a:ln>
-            <a:noFill/>
-          </a:ln>
-          <a:extLst>
-            <a:ext uri="{53640926-AAD7-44D8-BBD7-CCE9431645EC}">
-              <a14:shadowObscured xmlns:a14="http://schemas.microsoft.com/office/drawing/2010/main"/>
-            </a:ext>
-          </a:extLst>
-        </p:spPr>
-      </p:pic>
     </p:spTree>
     <p:extLst>
       <p:ext uri="{BB962C8B-B14F-4D97-AF65-F5344CB8AC3E}">
